--- a/TechWeek-TcBSDHandsOn.pptx
+++ b/TechWeek-TcBSDHandsOn.pptx
@@ -341,7 +341,7 @@
           <a:p>
             <a:fld id="{8F1A36FD-08A9-47F7-8F4B-E50EC98C36E7}" type="datetime1">
               <a:rPr lang="de-DE" smtClean="0"/>
-              <a:t>26.08.2024</a:t>
+              <a:t>28.08.2024</a:t>
             </a:fld>
             <a:endParaRPr lang="de-DE"/>
           </a:p>
@@ -552,7 +552,7 @@
           <a:p>
             <a:fld id="{0A2346E5-778D-4A7C-BA30-768202CBF653}" type="datetime1">
               <a:rPr lang="de-DE" smtClean="0"/>
-              <a:t>26.08.2024</a:t>
+              <a:t>28.08.2024</a:t>
             </a:fld>
             <a:endParaRPr lang="de-DE"/>
           </a:p>
@@ -948,7 +948,7 @@
           <a:p>
             <a:fld id="{0A2346E5-778D-4A7C-BA30-768202CBF653}" type="datetime1">
               <a:rPr lang="de-DE" smtClean="0"/>
-              <a:t>26.08.2024</a:t>
+              <a:t>28.08.2024</a:t>
             </a:fld>
             <a:endParaRPr lang="de-DE"/>
           </a:p>
@@ -1083,7 +1083,7 @@
           <a:p>
             <a:fld id="{0A2346E5-778D-4A7C-BA30-768202CBF653}" type="datetime1">
               <a:rPr lang="de-DE" smtClean="0"/>
-              <a:t>26.08.2024</a:t>
+              <a:t>28.08.2024</a:t>
             </a:fld>
             <a:endParaRPr lang="de-DE"/>
           </a:p>
@@ -1218,7 +1218,7 @@
           <a:p>
             <a:fld id="{0A2346E5-778D-4A7C-BA30-768202CBF653}" type="datetime1">
               <a:rPr lang="de-DE" smtClean="0"/>
-              <a:t>26.08.2024</a:t>
+              <a:t>28.08.2024</a:t>
             </a:fld>
             <a:endParaRPr lang="de-DE"/>
           </a:p>
@@ -19695,7 +19695,7 @@
           <a:p>
             <a:fld id="{1D8BD707-D9CF-40AE-B4C6-C98DA3205C09}" type="datetimeFigureOut">
               <a:rPr lang="en-US"/>
-              <a:t>8/26/2024</a:t>
+              <a:t>8/28/2024</a:t>
             </a:fld>
             <a:endParaRPr lang="en-US"/>
           </a:p>
@@ -20046,7 +20046,7 @@
           <a:p>
             <a:fld id="{1D8BD707-D9CF-40AE-B4C6-C98DA3205C09}" type="datetimeFigureOut">
               <a:rPr lang="en-US"/>
-              <a:t>8/26/2024</a:t>
+              <a:t>8/28/2024</a:t>
             </a:fld>
             <a:endParaRPr lang="en-US"/>
           </a:p>
@@ -20302,7 +20302,7 @@
           <a:p>
             <a:fld id="{1D8BD707-D9CF-40AE-B4C6-C98DA3205C09}" type="datetimeFigureOut">
               <a:rPr lang="en-US"/>
-              <a:t>8/26/2024</a:t>
+              <a:t>8/28/2024</a:t>
             </a:fld>
             <a:endParaRPr lang="en-US"/>
           </a:p>
@@ -31439,12 +31439,8 @@
               <a:buChar char="Ø"/>
             </a:pPr>
             <a:r>
-              <a:rPr lang="en-US" dirty="0" err="1"/>
-              <a:t>doas</a:t>
-            </a:r>
-            <a:r>
               <a:rPr lang="en-US" dirty="0"/>
-              <a:t> - “Do As Administrator” used to run a command at a heightened user level with higher permissions. (This is how we “Right-Click and Run As Administrator”)</a:t>
+              <a:t>doas - “Do As Administrator” used to run a command at a heightened user level with higher permissions. (This is how we “Right-Click and Run as Administrator”)</a:t>
             </a:r>
           </a:p>
           <a:p>
@@ -33082,7 +33078,7 @@
           <a:p>
             <a:r>
               <a:rPr lang="en-US" b="1" dirty="0"/>
-              <a:t>Changes to Networking </a:t>
+              <a:t>Networking </a:t>
             </a:r>
           </a:p>
           <a:p>
@@ -33174,7 +33170,7 @@
 </file>
 
 <file path=ppt/slides/slide6.xml><?xml version="1.0" encoding="utf-8"?>
-<p:sld xmlns:a="http://schemas.openxmlformats.org/drawingml/2006/main" xmlns:r="http://schemas.openxmlformats.org/officeDocument/2006/relationships" xmlns:p="http://schemas.openxmlformats.org/presentationml/2006/main">
+<p:sld xmlns:a="http://schemas.openxmlformats.org/drawingml/2006/main" xmlns:r="http://schemas.openxmlformats.org/officeDocument/2006/relationships" xmlns:p="http://schemas.openxmlformats.org/presentationml/2006/main" show="0">
   <p:cSld>
     <p:spTree>
       <p:nvGrpSpPr>
@@ -33831,7 +33827,7 @@
 </file>
 
 <file path=ppt/slides/slide7.xml><?xml version="1.0" encoding="utf-8"?>
-<p:sld xmlns:a="http://schemas.openxmlformats.org/drawingml/2006/main" xmlns:r="http://schemas.openxmlformats.org/officeDocument/2006/relationships" xmlns:p="http://schemas.openxmlformats.org/presentationml/2006/main">
+<p:sld xmlns:a="http://schemas.openxmlformats.org/drawingml/2006/main" xmlns:r="http://schemas.openxmlformats.org/officeDocument/2006/relationships" xmlns:p="http://schemas.openxmlformats.org/presentationml/2006/main" show="0">
   <p:cSld>
     <p:spTree>
       <p:nvGrpSpPr>
